--- a/presentationslide/CSS-Frameworks-ReactATX-Presentation.pptx
+++ b/presentationslide/CSS-Frameworks-ReactATX-Presentation.pptx
@@ -4690,7 +4690,7 @@
       </p:grpSpPr>
       <p:sp>
         <p:nvSpPr>
-          <p:cNvPr id="209" name="A few companies and companies…"/>
+          <p:cNvPr id="212" name="A few companies and companies…"/>
           <p:cNvSpPr txBox="1"/>
           <p:nvPr>
             <p:ph type="title"/>
@@ -4728,7 +4728,7 @@
       </p:sp>
       <p:sp>
         <p:nvSpPr>
-          <p:cNvPr id="210" name="Bootstrap: Mastercard, Spotify, LinkedIn, Twitter, Duolingo, Udemy, Robinhood…"/>
+          <p:cNvPr id="213" name="Bootstrap: Mastercard, Spotify, LinkedIn, Twitter, Duolingo, Udemy, Robinhood…"/>
           <p:cNvSpPr txBox="1"/>
           <p:nvPr>
             <p:ph type="body" idx="1"/>
@@ -4759,7 +4759,7 @@
               <a:t>Tailwind: </a:t>
             </a:r>
             <a:r>
-              <a:t>Shopify, Medium, </a:t>
+              <a:t>Shopify, Medium </a:t>
             </a:r>
           </a:p>
           <a:p>
@@ -4769,7 +4769,7 @@
               <a:t>Bulma:</a:t>
             </a:r>
             <a:r>
-              <a:t> Fujitsu, Infosys, University of California, Berkley</a:t>
+              <a:t> Fujitsu, Infosys, University of California in Berkley</a:t>
             </a:r>
           </a:p>
           <a:p>
@@ -4843,7 +4843,7 @@
       </p:grpSpPr>
       <p:sp>
         <p:nvSpPr>
-          <p:cNvPr id="212" name="Frameworks are all available on npm.js"/>
+          <p:cNvPr id="215" name="Frameworks are all available on npm.js"/>
           <p:cNvSpPr txBox="1"/>
           <p:nvPr>
             <p:ph type="body" sz="half" idx="1"/>
@@ -4871,7 +4871,7 @@
       </p:sp>
       <p:sp>
         <p:nvSpPr>
-          <p:cNvPr id="213" name="Free and easy to install on any React project"/>
+          <p:cNvPr id="216" name="Free and easy to install on any React project"/>
           <p:cNvSpPr txBox="1"/>
           <p:nvPr>
             <p:ph type="body" idx="21"/>
@@ -4937,7 +4937,7 @@
       </p:grpSpPr>
       <p:sp>
         <p:nvSpPr>
-          <p:cNvPr id="215" name="Some example websites and components from…"/>
+          <p:cNvPr id="218" name="Some example websites and components from…"/>
           <p:cNvSpPr txBox="1"/>
           <p:nvPr>
             <p:ph type="title"/>
@@ -4975,7 +4975,7 @@
       </p:sp>
       <p:sp>
         <p:nvSpPr>
-          <p:cNvPr id="216" name="https://bulma.io/expo/…"/>
+          <p:cNvPr id="219" name="https://bulma.io/expo/…"/>
           <p:cNvSpPr txBox="1"/>
           <p:nvPr>
             <p:ph type="body" idx="1"/>
@@ -5081,7 +5081,7 @@
       </p:grpSpPr>
       <p:sp>
         <p:nvSpPr>
-          <p:cNvPr id="218" name="Demo project"/>
+          <p:cNvPr id="221" name="Demo project"/>
           <p:cNvSpPr txBox="1"/>
           <p:nvPr>
             <p:ph type="title"/>
@@ -5105,7 +5105,7 @@
       </p:sp>
       <p:sp>
         <p:nvSpPr>
-          <p:cNvPr id="219" name="URL: https://github.com/tjdev7/reactatx-css-frameworks-samples…"/>
+          <p:cNvPr id="222" name="URL: https://github.com/tjdev7/reactatx-css-frameworks-samples…"/>
           <p:cNvSpPr txBox="1"/>
           <p:nvPr>
             <p:ph type="body" idx="1"/>
@@ -5208,7 +5208,7 @@
       </p:sp>
       <p:pic>
         <p:nvPicPr>
-          <p:cNvPr id="220" name="qrcodeReactATXpresentation.png" descr="qrcodeReactATXpresentation.png"/>
+          <p:cNvPr id="223" name="qrcodeReactATXpresentation.png" descr="qrcodeReactATXpresentation.png"/>
           <p:cNvPicPr>
             <a:picLocks noChangeAspect="1"/>
           </p:cNvPicPr>
@@ -5263,7 +5263,7 @@
       </p:grpSpPr>
       <p:sp>
         <p:nvSpPr>
-          <p:cNvPr id="222" name="My small advice"/>
+          <p:cNvPr id="225" name="My small advice"/>
           <p:cNvSpPr txBox="1"/>
           <p:nvPr>
             <p:ph type="title"/>
@@ -5287,7 +5287,7 @@
       </p:sp>
       <p:sp>
         <p:nvSpPr>
-          <p:cNvPr id="223" name="Read the documentation. Follow the walkthrough guides before doing anything…"/>
+          <p:cNvPr id="226" name="Read the documentation. Follow the walkthrough guides before doing anything…"/>
           <p:cNvSpPr txBox="1"/>
           <p:nvPr>
             <p:ph type="body" idx="1"/>
@@ -5376,7 +5376,7 @@
       </p:grpSpPr>
       <p:sp>
         <p:nvSpPr>
-          <p:cNvPr id="225" name="Conclusion"/>
+          <p:cNvPr id="228" name="Conclusion"/>
           <p:cNvSpPr txBox="1"/>
           <p:nvPr>
             <p:ph type="title"/>
@@ -5400,7 +5400,7 @@
       </p:sp>
       <p:sp>
         <p:nvSpPr>
-          <p:cNvPr id="226" name="I created this presentation with the hope that it helps you, the attendee improve your Dev cycle. And to help people in your company, group, stealth company, etc.…"/>
+          <p:cNvPr id="229" name="I created this presentation with the hope that it helps you, the attendee improve your Dev cycle. And to help people in your company, group, stealth company, etc.…"/>
           <p:cNvSpPr txBox="1"/>
           <p:nvPr>
             <p:ph type="body" idx="1"/>
@@ -5477,7 +5477,7 @@
       </p:grpSpPr>
       <p:sp>
         <p:nvSpPr>
-          <p:cNvPr id="228" name="Hope you liked it…"/>
+          <p:cNvPr id="231" name="Hope you liked it…"/>
           <p:cNvSpPr txBox="1"/>
           <p:nvPr>
             <p:ph type="body" idx="1"/>
@@ -5550,7 +5550,7 @@
       </p:grpSpPr>
       <p:sp>
         <p:nvSpPr>
-          <p:cNvPr id="230" name="Reach out to me:"/>
+          <p:cNvPr id="233" name="Reach out to me:"/>
           <p:cNvSpPr txBox="1"/>
           <p:nvPr>
             <p:ph type="title"/>
@@ -5574,7 +5574,7 @@
       </p:sp>
       <p:sp>
         <p:nvSpPr>
-          <p:cNvPr id="231" name="Github: https://github.com/tjdev7/…"/>
+          <p:cNvPr id="234" name="Github: https://github.com/tjdev7/…"/>
           <p:cNvSpPr txBox="1"/>
           <p:nvPr>
             <p:ph type="body" idx="1"/>
@@ -5708,7 +5708,7 @@
       </p:grpSpPr>
       <p:sp>
         <p:nvSpPr>
-          <p:cNvPr id="233" name="Additional resources"/>
+          <p:cNvPr id="236" name="Additional resources"/>
           <p:cNvSpPr txBox="1"/>
           <p:nvPr>
             <p:ph type="title"/>
@@ -5732,7 +5732,7 @@
       </p:sp>
       <p:sp>
         <p:nvSpPr>
-          <p:cNvPr id="234" name="https://mui.com/…"/>
+          <p:cNvPr id="237" name="https://mui.com/…"/>
           <p:cNvSpPr txBox="1"/>
           <p:nvPr>
             <p:ph type="body" idx="1"/>
@@ -5740,8 +5740,8 @@
         </p:nvSpPr>
         <p:spPr>
           <a:xfrm>
-            <a:off x="1269999" y="2954215"/>
-            <a:ext cx="21844001" cy="9896494"/>
+            <a:off x="1270000" y="2954215"/>
+            <a:ext cx="21844000" cy="9896495"/>
           </a:xfrm>
           <a:prstGeom prst="rect">
             <a:avLst/>
@@ -5881,7 +5881,7 @@
       </p:grpSpPr>
       <p:sp>
         <p:nvSpPr>
-          <p:cNvPr id="236" name="Npm links"/>
+          <p:cNvPr id="239" name="Npm links"/>
           <p:cNvSpPr txBox="1"/>
           <p:nvPr>
             <p:ph type="title"/>
@@ -5905,7 +5905,7 @@
       </p:sp>
       <p:sp>
         <p:nvSpPr>
-          <p:cNvPr id="237" name="https://www.npmjs.com/package/bootstrap…"/>
+          <p:cNvPr id="240" name="https://www.npmjs.com/package/bootstrap…"/>
           <p:cNvSpPr txBox="1"/>
           <p:nvPr>
             <p:ph type="body" idx="1"/>
@@ -6078,7 +6078,7 @@
               <a:rPr u="sng">
                 <a:hlinkClick r:id="rId2" invalidUrl="" action="" tgtFrame="" tooltip="" history="1" highlightClick="0" endSnd="0"/>
               </a:rPr>
-              <a:t>APIplaza.co</a:t>
+              <a:t>DevOpsJobs.app</a:t>
             </a:r>
             <a:r>
               <a:t> | </a:t>
@@ -6087,7 +6087,16 @@
               <a:rPr u="sng">
                 <a:hlinkClick r:id="rId3" invalidUrl="" action="" tgtFrame="" tooltip="" history="1" highlightClick="0" endSnd="0"/>
               </a:rPr>
-              <a:t>petwarezinc.com</a:t>
+              <a:t>APIplaza.co</a:t>
+            </a:r>
+            <a:r>
+              <a:t> | </a:t>
+            </a:r>
+            <a:r>
+              <a:rPr u="sng">
+                <a:hlinkClick r:id="rId4" invalidUrl="" action="" tgtFrame="" tooltip="" history="1" highlightClick="0" endSnd="0"/>
+              </a:rPr>
+              <a:t>PetWarez Inc.</a:t>
             </a:r>
           </a:p>
           <a:p>
@@ -6099,7 +6108,7 @@
             </a:r>
             <a:r>
               <a:rPr u="sng">
-                <a:hlinkClick r:id="rId4" invalidUrl="" action="" tgtFrame="" tooltip="" history="1" highlightClick="0" endSnd="0"/>
+                <a:hlinkClick r:id="rId5" invalidUrl="" action="" tgtFrame="" tooltip="" history="1" highlightClick="0" endSnd="0"/>
               </a:rPr>
               <a:t>https://medium.com/@7adam7e</a:t>
             </a:r>
@@ -6884,7 +6893,7 @@
       </p:grpSpPr>
       <p:sp>
         <p:nvSpPr>
-          <p:cNvPr id="196" name="A few sample frameworks"/>
+          <p:cNvPr id="196" name="Some example frameworks"/>
           <p:cNvSpPr txBox="1"/>
           <p:nvPr>
             <p:ph type="title"/>
@@ -6901,7 +6910,7 @@
           <a:p>
             <a:pPr/>
             <a:r>
-              <a:t>A few sample frameworks</a:t>
+              <a:t>Some example frameworks</a:t>
             </a:r>
           </a:p>
         </p:txBody>
@@ -6953,8 +6962,8 @@
         </p:blipFill>
         <p:spPr>
           <a:xfrm>
-            <a:off x="1716359" y="3172683"/>
-            <a:ext cx="3804742" cy="3804742"/>
+            <a:off x="1716359" y="2681440"/>
+            <a:ext cx="3804742" cy="3804741"/>
           </a:xfrm>
           <a:prstGeom prst="rect">
             <a:avLst/>
@@ -6982,7 +6991,7 @@
         </p:blipFill>
         <p:spPr>
           <a:xfrm>
-            <a:off x="1545044" y="7000507"/>
+            <a:off x="78157" y="6256754"/>
             <a:ext cx="6214544" cy="3082414"/>
           </a:xfrm>
           <a:prstGeom prst="rect">
@@ -7011,8 +7020,8 @@
         </p:blipFill>
         <p:spPr>
           <a:xfrm>
-            <a:off x="16495462" y="7966541"/>
-            <a:ext cx="7067290" cy="4947104"/>
+            <a:off x="17505451" y="8038683"/>
+            <a:ext cx="7067289" cy="4947104"/>
           </a:xfrm>
           <a:prstGeom prst="rect">
             <a:avLst/>
@@ -7040,7 +7049,7 @@
         </p:blipFill>
         <p:spPr>
           <a:xfrm>
-            <a:off x="6865446" y="4000004"/>
+            <a:off x="7154014" y="4360714"/>
             <a:ext cx="3175001" cy="3175001"/>
           </a:xfrm>
           <a:prstGeom prst="rect">
@@ -7069,7 +7078,7 @@
         </p:blipFill>
         <p:spPr>
           <a:xfrm>
-            <a:off x="49343" y="10380308"/>
+            <a:off x="-94941" y="11320929"/>
             <a:ext cx="8020258" cy="2470240"/>
           </a:xfrm>
           <a:prstGeom prst="rect">
@@ -7127,7 +7136,7 @@
         </p:blipFill>
         <p:spPr>
           <a:xfrm>
-            <a:off x="12672712" y="5685252"/>
+            <a:off x="11961929" y="5504897"/>
             <a:ext cx="5513927" cy="2470240"/>
           </a:xfrm>
           <a:prstGeom prst="rect">
@@ -7156,8 +7165,8 @@
         </p:blipFill>
         <p:spPr>
           <a:xfrm>
-            <a:off x="10927291" y="8591562"/>
-            <a:ext cx="4947104" cy="4947104"/>
+            <a:off x="12956124" y="8360259"/>
+            <a:ext cx="4947103" cy="4947104"/>
           </a:xfrm>
           <a:prstGeom prst="rect">
             <a:avLst/>
@@ -7185,8 +7194,8 @@
         </p:blipFill>
         <p:spPr>
           <a:xfrm>
-            <a:off x="7991615" y="7674791"/>
-            <a:ext cx="4449071" cy="1352518"/>
+            <a:off x="8400420" y="8348116"/>
+            <a:ext cx="4449070" cy="1352518"/>
           </a:xfrm>
           <a:prstGeom prst="rect">
             <a:avLst/>
@@ -7214,8 +7223,95 @@
         </p:blipFill>
         <p:spPr>
           <a:xfrm>
-            <a:off x="18878664" y="5821419"/>
+            <a:off x="18950806" y="6456821"/>
             <a:ext cx="5321301" cy="927101"/>
+          </a:xfrm>
+          <a:prstGeom prst="rect">
+            <a:avLst/>
+          </a:prstGeom>
+          <a:ln w="12700">
+            <a:miter lim="400000"/>
+          </a:ln>
+        </p:spPr>
+      </p:pic>
+      <p:pic>
+        <p:nvPicPr>
+          <p:cNvPr id="208" name="stacks framework.png" descr="stacks framework.png"/>
+          <p:cNvPicPr>
+            <a:picLocks noChangeAspect="1"/>
+          </p:cNvPicPr>
+          <p:nvPr/>
+        </p:nvPicPr>
+        <p:blipFill>
+          <a:blip r:embed="rId12">
+            <a:extLst/>
+          </a:blip>
+          <a:stretch>
+            <a:fillRect/>
+          </a:stretch>
+        </p:blipFill>
+        <p:spPr>
+          <a:xfrm>
+            <a:off x="1040648" y="9529673"/>
+            <a:ext cx="6214544" cy="1299775"/>
+          </a:xfrm>
+          <a:prstGeom prst="rect">
+            <a:avLst/>
+          </a:prstGeom>
+          <a:ln w="12700">
+            <a:miter lim="400000"/>
+          </a:ln>
+        </p:spPr>
+      </p:pic>
+      <p:pic>
+        <p:nvPicPr>
+          <p:cNvPr id="209" name="beercss.png" descr="beercss.png"/>
+          <p:cNvPicPr>
+            <a:picLocks noChangeAspect="1"/>
+          </p:cNvPicPr>
+          <p:nvPr/>
+        </p:nvPicPr>
+        <p:blipFill>
+          <a:blip r:embed="rId13">
+            <a:extLst/>
+          </a:blip>
+          <a:stretch>
+            <a:fillRect/>
+          </a:stretch>
+        </p:blipFill>
+        <p:spPr>
+          <a:xfrm>
+            <a:off x="10088773" y="11523632"/>
+            <a:ext cx="4206454" cy="2064833"/>
+          </a:xfrm>
+          <a:prstGeom prst="rect">
+            <a:avLst/>
+          </a:prstGeom>
+          <a:ln w="12700">
+            <a:miter lim="400000"/>
+          </a:ln>
+        </p:spPr>
+      </p:pic>
+      <p:pic>
+        <p:nvPicPr>
+          <p:cNvPr id="210" name="chota logo.svg" descr="chota logo.svg"/>
+          <p:cNvPicPr>
+            <a:picLocks noChangeAspect="1"/>
+          </p:cNvPicPr>
+          <p:nvPr/>
+        </p:nvPicPr>
+        <p:blipFill>
+          <a:blip r:embed="rId14">
+            <a:extLst/>
+          </a:blip>
+          <a:stretch>
+            <a:fillRect/>
+          </a:stretch>
+        </p:blipFill>
+        <p:spPr>
+          <a:xfrm>
+            <a:off x="7830203" y="10275011"/>
+            <a:ext cx="3810001" cy="1117601"/>
           </a:xfrm>
           <a:prstGeom prst="rect">
             <a:avLst/>

--- a/presentationslide/CSS-Frameworks-ReactATX-Presentation.pptx
+++ b/presentationslide/CSS-Frameworks-ReactATX-Presentation.pptx
@@ -4601,7 +4601,7 @@
       </p:sp>
       <p:sp>
         <p:nvSpPr>
-          <p:cNvPr id="172" name="Mario Altagracia Jimenez"/>
+          <p:cNvPr id="172" name="Mario Jimenez"/>
           <p:cNvSpPr txBox="1"/>
           <p:nvPr>
             <p:ph type="body" idx="21"/>
@@ -4623,7 +4623,7 @@
           <a:p>
             <a:pPr/>
             <a:r>
-              <a:t>Mario Altagracia Jimenez</a:t>
+              <a:t>Mario Jimenez</a:t>
             </a:r>
           </a:p>
         </p:txBody>
@@ -4690,7 +4690,7 @@
       </p:grpSpPr>
       <p:sp>
         <p:nvSpPr>
-          <p:cNvPr id="212" name="A few companies and companies…"/>
+          <p:cNvPr id="212" name="A few companies and startups…"/>
           <p:cNvSpPr txBox="1"/>
           <p:nvPr>
             <p:ph type="title"/>
@@ -4713,7 +4713,7 @@
               <a:defRPr spc="-224" sz="7476"/>
             </a:pPr>
             <a:r>
-              <a:t>A few companies and companies </a:t>
+              <a:t>A few companies and startups </a:t>
             </a:r>
           </a:p>
           <a:p>
@@ -5715,6 +5715,10 @@
           </p:nvPr>
         </p:nvSpPr>
         <p:spPr>
+          <a:xfrm>
+            <a:off x="1270000" y="452089"/>
+            <a:ext cx="21844001" cy="1557438"/>
+          </a:xfrm>
           <a:prstGeom prst="rect">
             <a:avLst/>
           </a:prstGeom>
@@ -5740,8 +5744,8 @@
         </p:nvSpPr>
         <p:spPr>
           <a:xfrm>
-            <a:off x="1270000" y="2954215"/>
-            <a:ext cx="21844000" cy="9896495"/>
+            <a:off x="1269999" y="2362613"/>
+            <a:ext cx="21844001" cy="10488097"/>
           </a:xfrm>
           <a:prstGeom prst="rect">
             <a:avLst/>
@@ -5751,7 +5755,12 @@
           <a:bodyPr/>
           <a:lstStyle/>
           <a:p>
-            <a:pPr/>
+            <a:pPr marL="385572" indent="-385572" defTabSz="1682495">
+              <a:spcBef>
+                <a:spcPts val="1600"/>
+              </a:spcBef>
+              <a:defRPr sz="3312"/>
+            </a:pPr>
             <a:r>
               <a:rPr u="sng">
                 <a:hlinkClick r:id="rId2" invalidUrl="" action="" tgtFrame="" tooltip="" history="1" highlightClick="0" endSnd="0"/>
@@ -5760,7 +5769,12 @@
             </a:r>
           </a:p>
           <a:p>
-            <a:pPr/>
+            <a:pPr marL="385572" indent="-385572" defTabSz="1682495">
+              <a:spcBef>
+                <a:spcPts val="1600"/>
+              </a:spcBef>
+              <a:defRPr sz="3312"/>
+            </a:pPr>
             <a:r>
               <a:rPr u="sng">
                 <a:hlinkClick r:id="rId3" invalidUrl="" action="" tgtFrame="" tooltip="" history="1" highlightClick="0" endSnd="0"/>
@@ -5772,7 +5786,12 @@
             </a:r>
           </a:p>
           <a:p>
-            <a:pPr/>
+            <a:pPr marL="385572" indent="-385572" defTabSz="1682495">
+              <a:spcBef>
+                <a:spcPts val="1600"/>
+              </a:spcBef>
+              <a:defRPr sz="3312"/>
+            </a:pPr>
             <a:r>
               <a:rPr u="sng">
                 <a:hlinkClick r:id="rId4" invalidUrl="" action="" tgtFrame="" tooltip="" history="1" highlightClick="0" endSnd="0"/>
@@ -5784,7 +5803,12 @@
             </a:r>
           </a:p>
           <a:p>
-            <a:pPr/>
+            <a:pPr marL="385572" indent="-385572" defTabSz="1682495">
+              <a:spcBef>
+                <a:spcPts val="1600"/>
+              </a:spcBef>
+              <a:defRPr sz="3312"/>
+            </a:pPr>
             <a:r>
               <a:rPr u="sng">
                 <a:hlinkClick r:id="rId5" invalidUrl="" action="" tgtFrame="" tooltip="" history="1" highlightClick="0" endSnd="0"/>
@@ -5793,7 +5817,12 @@
             </a:r>
           </a:p>
           <a:p>
-            <a:pPr/>
+            <a:pPr marL="385572" indent="-385572" defTabSz="1682495">
+              <a:spcBef>
+                <a:spcPts val="1600"/>
+              </a:spcBef>
+              <a:defRPr sz="3312"/>
+            </a:pPr>
             <a:r>
               <a:rPr u="sng">
                 <a:hlinkClick r:id="rId6" invalidUrl="" action="" tgtFrame="" tooltip="" history="1" highlightClick="0" endSnd="0"/>
@@ -5802,7 +5831,12 @@
             </a:r>
           </a:p>
           <a:p>
-            <a:pPr/>
+            <a:pPr marL="385572" indent="-385572" defTabSz="1682495">
+              <a:spcBef>
+                <a:spcPts val="1600"/>
+              </a:spcBef>
+              <a:defRPr sz="3312"/>
+            </a:pPr>
             <a:r>
               <a:rPr u="sng">
                 <a:hlinkClick r:id="rId7" invalidUrl="" action="" tgtFrame="" tooltip="" history="1" highlightClick="0" endSnd="0"/>
@@ -5811,7 +5845,12 @@
             </a:r>
           </a:p>
           <a:p>
-            <a:pPr/>
+            <a:pPr marL="385572" indent="-385572" defTabSz="1682495">
+              <a:spcBef>
+                <a:spcPts val="1600"/>
+              </a:spcBef>
+              <a:defRPr sz="3312"/>
+            </a:pPr>
             <a:r>
               <a:rPr u="sng">
                 <a:hlinkClick r:id="rId8" invalidUrl="" action="" tgtFrame="" tooltip="" history="1" highlightClick="0" endSnd="0"/>
@@ -5820,7 +5859,12 @@
             </a:r>
           </a:p>
           <a:p>
-            <a:pPr/>
+            <a:pPr marL="385572" indent="-385572" defTabSz="1682495">
+              <a:spcBef>
+                <a:spcPts val="1600"/>
+              </a:spcBef>
+              <a:defRPr sz="3312"/>
+            </a:pPr>
             <a:r>
               <a:rPr u="sng">
                 <a:hlinkClick r:id="rId9" invalidUrl="" action="" tgtFrame="" tooltip="" history="1" highlightClick="0" endSnd="0"/>
@@ -5829,12 +5873,90 @@
             </a:r>
           </a:p>
           <a:p>
-            <a:pPr/>
+            <a:pPr marL="385572" indent="-385572" defTabSz="1682495">
+              <a:spcBef>
+                <a:spcPts val="1600"/>
+              </a:spcBef>
+              <a:defRPr sz="3312"/>
+            </a:pPr>
             <a:r>
               <a:rPr u="sng">
                 <a:hlinkClick r:id="rId10" invalidUrl="" action="" tgtFrame="" tooltip="" history="1" highlightClick="0" endSnd="0"/>
               </a:rPr>
               <a:t>https://milligram.io/typography.html</a:t>
+            </a:r>
+            <a:r>
+              <a:t> </a:t>
+            </a:r>
+          </a:p>
+          <a:p>
+            <a:pPr marL="385572" indent="-385572" defTabSz="1682495">
+              <a:spcBef>
+                <a:spcPts val="1600"/>
+              </a:spcBef>
+              <a:defRPr sz="3312"/>
+            </a:pPr>
+            <a:r>
+              <a:rPr u="sng">
+                <a:hlinkClick r:id="rId11" invalidUrl="" action="" tgtFrame="" tooltip="" history="1" highlightClick="0" endSnd="0"/>
+              </a:rPr>
+              <a:t>https://www.beercss.com/</a:t>
+            </a:r>
+          </a:p>
+          <a:p>
+            <a:pPr marL="385572" indent="-385572" defTabSz="1682495">
+              <a:spcBef>
+                <a:spcPts val="1600"/>
+              </a:spcBef>
+              <a:defRPr sz="3312"/>
+            </a:pPr>
+            <a:r>
+              <a:rPr u="sng">
+                <a:hlinkClick r:id="rId12" invalidUrl="" action="" tgtFrame="" tooltip="" history="1" highlightClick="0" endSnd="0"/>
+              </a:rPr>
+              <a:t>https://jenil.github.io/chota/</a:t>
+            </a:r>
+          </a:p>
+          <a:p>
+            <a:pPr marL="385572" indent="-385572" defTabSz="1682495">
+              <a:spcBef>
+                <a:spcPts val="1600"/>
+              </a:spcBef>
+              <a:defRPr sz="3312"/>
+            </a:pPr>
+            <a:r>
+              <a:rPr u="sng">
+                <a:hlinkClick r:id="rId13" invalidUrl="" action="" tgtFrame="" tooltip="" history="1" highlightClick="0" endSnd="0"/>
+              </a:rPr>
+              <a:t>https://stackoverflow.design/</a:t>
+            </a:r>
+          </a:p>
+          <a:p>
+            <a:pPr marL="385572" indent="-385572" defTabSz="1682495">
+              <a:spcBef>
+                <a:spcPts val="1600"/>
+              </a:spcBef>
+              <a:defRPr sz="3312"/>
+            </a:pPr>
+            <a:r>
+              <a:rPr u="sng">
+                <a:hlinkClick r:id="rId14" invalidUrl="" action="" tgtFrame="" tooltip="" history="1" highlightClick="0" endSnd="0"/>
+              </a:rPr>
+              <a:t>https://semantic-ui.com/</a:t>
+            </a:r>
+          </a:p>
+          <a:p>
+            <a:pPr marL="385572" indent="-385572" defTabSz="1682495">
+              <a:spcBef>
+                <a:spcPts val="1600"/>
+              </a:spcBef>
+              <a:defRPr sz="3312"/>
+            </a:pPr>
+            <a:r>
+              <a:rPr u="sng">
+                <a:hlinkClick r:id="rId15" invalidUrl="" action="" tgtFrame="" tooltip="" history="1" highlightClick="0" endSnd="0"/>
+              </a:rPr>
+              <a:t>https://pure-css.github.io/</a:t>
             </a:r>
             <a:r>
               <a:t> </a:t>
@@ -6301,7 +6423,7 @@
       </p:sp>
       <p:sp>
         <p:nvSpPr>
-          <p:cNvPr id="182" name="Improve your Front-End Development…"/>
+          <p:cNvPr id="182" name="Improve your Front-End / Web Development and Web Designing…"/>
           <p:cNvSpPr txBox="1"/>
           <p:nvPr>
             <p:ph type="body" idx="1"/>
@@ -6318,7 +6440,7 @@
           <a:p>
             <a:pPr/>
             <a:r>
-              <a:t>Improve your Front-End Development</a:t>
+              <a:t>Improve your Front-End / Web Development and Web Designing</a:t>
             </a:r>
           </a:p>
           <a:p>
@@ -6574,7 +6696,7 @@
           <a:p>
             <a:pPr/>
             <a:r>
-              <a:t>Personal websites or client sites</a:t>
+              <a:t>Personal websites</a:t>
             </a:r>
           </a:p>
           <a:p>
@@ -6741,7 +6863,7 @@
               <a:defRPr sz="4368"/>
             </a:pPr>
             <a:r>
-              <a:t>Free to use, try and install the majority of frameworks </a:t>
+              <a:t>Free to use, try and install the majority of frameworks (FOSS)</a:t>
             </a:r>
           </a:p>
           <a:p>
@@ -7020,8 +7142,8 @@
         </p:blipFill>
         <p:spPr>
           <a:xfrm>
-            <a:off x="17505451" y="8038683"/>
-            <a:ext cx="7067289" cy="4947104"/>
+            <a:off x="17505450" y="8038683"/>
+            <a:ext cx="7067290" cy="4947104"/>
           </a:xfrm>
           <a:prstGeom prst="rect">
             <a:avLst/>
@@ -7049,7 +7171,7 @@
         </p:blipFill>
         <p:spPr>
           <a:xfrm>
-            <a:off x="7154014" y="4360714"/>
+            <a:off x="7154015" y="4360714"/>
             <a:ext cx="3175001" cy="3175001"/>
           </a:xfrm>
           <a:prstGeom prst="rect">
@@ -7079,7 +7201,7 @@
         <p:spPr>
           <a:xfrm>
             <a:off x="-94941" y="11320929"/>
-            <a:ext cx="8020258" cy="2470240"/>
+            <a:ext cx="8020258" cy="2470239"/>
           </a:xfrm>
           <a:prstGeom prst="rect">
             <a:avLst/>
@@ -7165,8 +7287,8 @@
         </p:blipFill>
         <p:spPr>
           <a:xfrm>
-            <a:off x="12956124" y="8360259"/>
-            <a:ext cx="4947103" cy="4947104"/>
+            <a:off x="12956123" y="8360259"/>
+            <a:ext cx="4947104" cy="4947104"/>
           </a:xfrm>
           <a:prstGeom prst="rect">
             <a:avLst/>
@@ -7194,8 +7316,8 @@
         </p:blipFill>
         <p:spPr>
           <a:xfrm>
-            <a:off x="8400420" y="8348116"/>
-            <a:ext cx="4449070" cy="1352518"/>
+            <a:off x="8400419" y="8348116"/>
+            <a:ext cx="4449071" cy="1352519"/>
           </a:xfrm>
           <a:prstGeom prst="rect">
             <a:avLst/>
@@ -7252,8 +7374,8 @@
         </p:blipFill>
         <p:spPr>
           <a:xfrm>
-            <a:off x="1040648" y="9529673"/>
-            <a:ext cx="6214544" cy="1299775"/>
+            <a:off x="1040648" y="9529674"/>
+            <a:ext cx="6214544" cy="1299774"/>
           </a:xfrm>
           <a:prstGeom prst="rect">
             <a:avLst/>
@@ -7281,8 +7403,8 @@
         </p:blipFill>
         <p:spPr>
           <a:xfrm>
-            <a:off x="10088773" y="11523632"/>
-            <a:ext cx="4206454" cy="2064833"/>
+            <a:off x="10088773" y="11523633"/>
+            <a:ext cx="4206455" cy="2064832"/>
           </a:xfrm>
           <a:prstGeom prst="rect">
             <a:avLst/>
@@ -7310,7 +7432,7 @@
         </p:blipFill>
         <p:spPr>
           <a:xfrm>
-            <a:off x="7830203" y="10275011"/>
+            <a:off x="7830203" y="10275010"/>
             <a:ext cx="3810001" cy="1117601"/>
           </a:xfrm>
           <a:prstGeom prst="rect">
